--- a/작업한 내용/기차 예매 프로그램 최종 발표.pptx
+++ b/작업한 내용/기차 예매 프로그램 최종 발표.pptx
@@ -31,8 +31,8 @@
     <p:sldId id="301" r:id="rId25"/>
     <p:sldId id="311" r:id="rId26"/>
     <p:sldId id="308" r:id="rId27"/>
-    <p:sldId id="309" r:id="rId28"/>
-    <p:sldId id="310" r:id="rId29"/>
+    <p:sldId id="310" r:id="rId28"/>
+    <p:sldId id="312" r:id="rId29"/>
   </p:sldIdLst>
   <p:sldSz cx="12192000" cy="6858000"/>
   <p:notesSz cx="9926638" cy="6797675"/>
@@ -321,7 +321,7 @@
           <a:p>
             <a:fld id="{48A87A34-81AB-432B-8DAE-1953F412C126}" type="datetimeFigureOut">
               <a:rPr lang="en-US" smtClean="0"/>
-              <a:t>12/15/2020</a:t>
+              <a:t>12/16/2020</a:t>
             </a:fld>
             <a:endParaRPr lang="en-US" dirty="0"/>
           </a:p>
@@ -588,7 +588,7 @@
           <a:p>
             <a:fld id="{48A87A34-81AB-432B-8DAE-1953F412C126}" type="datetimeFigureOut">
               <a:rPr lang="en-US" smtClean="0"/>
-              <a:t>12/15/2020</a:t>
+              <a:t>12/16/2020</a:t>
             </a:fld>
             <a:endParaRPr lang="en-US" dirty="0"/>
           </a:p>
@@ -820,7 +820,7 @@
             <a:fld id="{48A87A34-81AB-432B-8DAE-1953F412C126}" type="datetimeFigureOut">
               <a:rPr lang="en-US" smtClean="0"/>
               <a:pPr/>
-              <a:t>12/15/2020</a:t>
+              <a:t>12/16/2020</a:t>
             </a:fld>
             <a:endParaRPr lang="en-US" dirty="0"/>
           </a:p>
@@ -1131,7 +1131,7 @@
             <a:fld id="{48A87A34-81AB-432B-8DAE-1953F412C126}" type="datetimeFigureOut">
               <a:rPr lang="en-US" smtClean="0"/>
               <a:pPr/>
-              <a:t>12/15/2020</a:t>
+              <a:t>12/16/2020</a:t>
             </a:fld>
             <a:endParaRPr lang="en-US" dirty="0"/>
           </a:p>
@@ -1605,7 +1605,7 @@
             <a:fld id="{48A87A34-81AB-432B-8DAE-1953F412C126}" type="datetimeFigureOut">
               <a:rPr lang="en-US" smtClean="0"/>
               <a:pPr/>
-              <a:t>12/15/2020</a:t>
+              <a:t>12/16/2020</a:t>
             </a:fld>
             <a:endParaRPr lang="en-US" dirty="0"/>
           </a:p>
@@ -2152,7 +2152,7 @@
           <a:p>
             <a:fld id="{48A87A34-81AB-432B-8DAE-1953F412C126}" type="datetimeFigureOut">
               <a:rPr lang="en-US" smtClean="0"/>
-              <a:t>12/15/2020</a:t>
+              <a:t>12/16/2020</a:t>
             </a:fld>
             <a:endParaRPr lang="en-US" dirty="0"/>
           </a:p>
@@ -2926,7 +2926,7 @@
           <a:p>
             <a:fld id="{48A87A34-81AB-432B-8DAE-1953F412C126}" type="datetimeFigureOut">
               <a:rPr lang="en-US" smtClean="0"/>
-              <a:t>12/15/2020</a:t>
+              <a:t>12/16/2020</a:t>
             </a:fld>
             <a:endParaRPr lang="en-US" dirty="0"/>
           </a:p>
@@ -3101,7 +3101,7 @@
           <a:p>
             <a:fld id="{48A87A34-81AB-432B-8DAE-1953F412C126}" type="datetimeFigureOut">
               <a:rPr lang="en-US" smtClean="0"/>
-              <a:t>12/15/2020</a:t>
+              <a:t>12/16/2020</a:t>
             </a:fld>
             <a:endParaRPr lang="en-US" dirty="0"/>
           </a:p>
@@ -3325,7 +3325,7 @@
             <a:fld id="{48A87A34-81AB-432B-8DAE-1953F412C126}" type="datetimeFigureOut">
               <a:rPr lang="en-US" smtClean="0"/>
               <a:pPr/>
-              <a:t>12/15/2020</a:t>
+              <a:t>12/16/2020</a:t>
             </a:fld>
             <a:endParaRPr lang="en-US" dirty="0"/>
           </a:p>
@@ -3505,7 +3505,7 @@
           <a:p>
             <a:fld id="{48A87A34-81AB-432B-8DAE-1953F412C126}" type="datetimeFigureOut">
               <a:rPr lang="en-US" smtClean="0"/>
-              <a:t>12/15/2020</a:t>
+              <a:t>12/16/2020</a:t>
             </a:fld>
             <a:endParaRPr lang="en-US" dirty="0"/>
           </a:p>
@@ -3795,7 +3795,7 @@
             <a:fld id="{48A87A34-81AB-432B-8DAE-1953F412C126}" type="datetimeFigureOut">
               <a:rPr lang="en-US" smtClean="0"/>
               <a:pPr/>
-              <a:t>12/15/2020</a:t>
+              <a:t>12/16/2020</a:t>
             </a:fld>
             <a:endParaRPr lang="en-US" dirty="0"/>
           </a:p>
@@ -4037,7 +4037,7 @@
           <a:p>
             <a:fld id="{48A87A34-81AB-432B-8DAE-1953F412C126}" type="datetimeFigureOut">
               <a:rPr lang="en-US" smtClean="0"/>
-              <a:t>12/15/2020</a:t>
+              <a:t>12/16/2020</a:t>
             </a:fld>
             <a:endParaRPr lang="en-US" dirty="0"/>
           </a:p>
@@ -4416,7 +4416,7 @@
           <a:p>
             <a:fld id="{48A87A34-81AB-432B-8DAE-1953F412C126}" type="datetimeFigureOut">
               <a:rPr lang="en-US" smtClean="0"/>
-              <a:t>12/15/2020</a:t>
+              <a:t>12/16/2020</a:t>
             </a:fld>
             <a:endParaRPr lang="en-US" dirty="0"/>
           </a:p>
@@ -4534,7 +4534,7 @@
           <a:p>
             <a:fld id="{48A87A34-81AB-432B-8DAE-1953F412C126}" type="datetimeFigureOut">
               <a:rPr lang="en-US" smtClean="0"/>
-              <a:t>12/15/2020</a:t>
+              <a:t>12/16/2020</a:t>
             </a:fld>
             <a:endParaRPr lang="en-US" dirty="0"/>
           </a:p>
@@ -4629,7 +4629,7 @@
           <a:p>
             <a:fld id="{48A87A34-81AB-432B-8DAE-1953F412C126}" type="datetimeFigureOut">
               <a:rPr lang="en-US" smtClean="0"/>
-              <a:t>12/15/2020</a:t>
+              <a:t>12/16/2020</a:t>
             </a:fld>
             <a:endParaRPr lang="en-US" dirty="0"/>
           </a:p>
@@ -4878,7 +4878,7 @@
           <a:p>
             <a:fld id="{48A87A34-81AB-432B-8DAE-1953F412C126}" type="datetimeFigureOut">
               <a:rPr lang="en-US" smtClean="0"/>
-              <a:t>12/15/2020</a:t>
+              <a:t>12/16/2020</a:t>
             </a:fld>
             <a:endParaRPr lang="en-US" dirty="0"/>
           </a:p>
@@ -5135,7 +5135,7 @@
           <a:p>
             <a:fld id="{48A87A34-81AB-432B-8DAE-1953F412C126}" type="datetimeFigureOut">
               <a:rPr lang="en-US" smtClean="0"/>
-              <a:t>12/15/2020</a:t>
+              <a:t>12/16/2020</a:t>
             </a:fld>
             <a:endParaRPr lang="en-US" dirty="0"/>
           </a:p>
@@ -5379,7 +5379,7 @@
             <a:fld id="{48A87A34-81AB-432B-8DAE-1953F412C126}" type="datetimeFigureOut">
               <a:rPr lang="en-US" smtClean="0"/>
               <a:pPr/>
-              <a:t>12/15/2020</a:t>
+              <a:t>12/16/2020</a:t>
             </a:fld>
             <a:endParaRPr lang="en-US" dirty="0"/>
           </a:p>
@@ -6086,6 +6086,36 @@
           <a:chExt cx="0" cy="0"/>
         </a:xfrm>
       </p:grpSpPr>
+      <p:pic>
+        <p:nvPicPr>
+          <p:cNvPr id="6" name="그림 5">
+            <a:extLst>
+              <a:ext uri="{FF2B5EF4-FFF2-40B4-BE49-F238E27FC236}">
+                <a16:creationId xmlns:a16="http://schemas.microsoft.com/office/drawing/2014/main" id="{1AB2F6CF-DFD6-4411-9672-5AF6A84CE642}"/>
+              </a:ext>
+            </a:extLst>
+          </p:cNvPr>
+          <p:cNvPicPr>
+            <a:picLocks noChangeAspect="1"/>
+          </p:cNvPicPr>
+          <p:nvPr/>
+        </p:nvPicPr>
+        <p:blipFill>
+          <a:blip r:embed="rId2"/>
+          <a:stretch>
+            <a:fillRect/>
+          </a:stretch>
+        </p:blipFill>
+        <p:spPr>
+          <a:xfrm>
+            <a:off x="2649347" y="1915861"/>
+            <a:ext cx="6893305" cy="4688189"/>
+          </a:xfrm>
+          <a:prstGeom prst="rect">
+            <a:avLst/>
+          </a:prstGeom>
+        </p:spPr>
+      </p:pic>
       <p:sp>
         <p:nvSpPr>
           <p:cNvPr id="2" name="제목 1">
@@ -6123,36 +6153,6 @@
           </a:p>
         </p:txBody>
       </p:sp>
-      <p:pic>
-        <p:nvPicPr>
-          <p:cNvPr id="9" name="그림 8">
-            <a:extLst>
-              <a:ext uri="{FF2B5EF4-FFF2-40B4-BE49-F238E27FC236}">
-                <a16:creationId xmlns:a16="http://schemas.microsoft.com/office/drawing/2014/main" id="{BC26CE09-CB4A-490C-97C0-378E75D0CE56}"/>
-              </a:ext>
-            </a:extLst>
-          </p:cNvPr>
-          <p:cNvPicPr>
-            <a:picLocks noChangeAspect="1"/>
-          </p:cNvPicPr>
-          <p:nvPr/>
-        </p:nvPicPr>
-        <p:blipFill>
-          <a:blip r:embed="rId2"/>
-          <a:stretch>
-            <a:fillRect/>
-          </a:stretch>
-        </p:blipFill>
-        <p:spPr>
-          <a:xfrm>
-            <a:off x="2305050" y="1815193"/>
-            <a:ext cx="6991350" cy="4686300"/>
-          </a:xfrm>
-          <a:prstGeom prst="rect">
-            <a:avLst/>
-          </a:prstGeom>
-        </p:spPr>
-      </p:pic>
     </p:spTree>
     <p:extLst>
       <p:ext uri="{BB962C8B-B14F-4D97-AF65-F5344CB8AC3E}">
@@ -7431,10 +7431,10 @@
       </p:grpSpPr>
       <p:pic>
         <p:nvPicPr>
-          <p:cNvPr id="14" name="그림 13">
+          <p:cNvPr id="4" name="그림 3">
             <a:extLst>
               <a:ext uri="{FF2B5EF4-FFF2-40B4-BE49-F238E27FC236}">
-                <a16:creationId xmlns:a16="http://schemas.microsoft.com/office/drawing/2014/main" id="{9000B861-D911-4FCC-AB6A-EB3828D084FC}"/>
+                <a16:creationId xmlns:a16="http://schemas.microsoft.com/office/drawing/2014/main" id="{06EDBD2C-2227-45D7-8113-44D7260A46C0}"/>
               </a:ext>
             </a:extLst>
           </p:cNvPr>
@@ -7684,10 +7684,10 @@
       </p:sp>
       <p:pic>
         <p:nvPicPr>
-          <p:cNvPr id="12" name="그림 11">
+          <p:cNvPr id="13" name="그림 12">
             <a:extLst>
               <a:ext uri="{FF2B5EF4-FFF2-40B4-BE49-F238E27FC236}">
-                <a16:creationId xmlns:a16="http://schemas.microsoft.com/office/drawing/2014/main" id="{EF9F6C76-0D16-4A20-A2AE-CA4A401B7201}"/>
+                <a16:creationId xmlns:a16="http://schemas.microsoft.com/office/drawing/2014/main" id="{964FB50D-0BA3-4A6B-B716-970A92EE7F5E}"/>
               </a:ext>
             </a:extLst>
           </p:cNvPr>
@@ -7704,8 +7704,8 @@
         </p:blipFill>
         <p:spPr>
           <a:xfrm>
-            <a:off x="3158216" y="2517669"/>
-            <a:ext cx="5875562" cy="4235870"/>
+            <a:off x="3237332" y="2517668"/>
+            <a:ext cx="5717336" cy="4232601"/>
           </a:xfrm>
           <a:prstGeom prst="rect">
             <a:avLst/>
@@ -17183,7 +17183,7 @@
         </p:nvSpPr>
         <p:spPr>
           <a:xfrm>
-            <a:off x="1371600" y="1803405"/>
+            <a:off x="1371600" y="2380347"/>
             <a:ext cx="9448800" cy="1266366"/>
           </a:xfrm>
         </p:spPr>
@@ -17195,93 +17195,16 @@
           <a:p>
             <a:pPr algn="ctr"/>
             <a:r>
-              <a:rPr lang="en-US" altLang="ko-KR" sz="5400" dirty="0"/>
-              <a:t>UML</a:t>
+              <a:rPr lang="ko-KR" altLang="en-US" sz="5400" dirty="0"/>
+              <a:t>시연</a:t>
             </a:r>
-            <a:endParaRPr lang="ko-KR" altLang="en-US" sz="5400" dirty="0"/>
-          </a:p>
-        </p:txBody>
-      </p:sp>
-      <p:sp>
-        <p:nvSpPr>
-          <p:cNvPr id="5" name="부제목 4">
-            <a:extLst>
-              <a:ext uri="{FF2B5EF4-FFF2-40B4-BE49-F238E27FC236}">
-                <a16:creationId xmlns:a16="http://schemas.microsoft.com/office/drawing/2014/main" id="{5E01BF17-E4E5-441E-85B9-EE7A69C230E3}"/>
-              </a:ext>
-            </a:extLst>
-          </p:cNvPr>
-          <p:cNvSpPr>
-            <a:spLocks noGrp="1"/>
-          </p:cNvSpPr>
-          <p:nvPr>
-            <p:ph type="subTitle" idx="1"/>
-          </p:nvPr>
-        </p:nvSpPr>
-        <p:spPr>
-          <a:xfrm>
-            <a:off x="1371600" y="3069771"/>
-            <a:ext cx="9448800" cy="1248230"/>
-          </a:xfrm>
-        </p:spPr>
-        <p:txBody>
-          <a:bodyPr/>
-          <a:lstStyle/>
-          <a:p>
-            <a:pPr marL="457200" indent="-457200">
-              <a:buFont typeface="+mj-lt"/>
-              <a:buAutoNum type="arabicPeriod"/>
-            </a:pPr>
-            <a:r>
-              <a:rPr lang="en-US" altLang="ko-KR" dirty="0">
-                <a:latin typeface="+mj-ea"/>
-                <a:ea typeface="+mj-ea"/>
-              </a:rPr>
-              <a:t> Use Case Diagram</a:t>
-            </a:r>
-          </a:p>
-          <a:p>
-            <a:pPr marL="457200" indent="-457200">
-              <a:buFont typeface="+mj-lt"/>
-              <a:buAutoNum type="arabicPeriod"/>
-            </a:pPr>
-            <a:r>
-              <a:rPr lang="en-US" altLang="ko-KR" dirty="0">
-                <a:latin typeface="+mj-ea"/>
-                <a:ea typeface="+mj-ea"/>
-              </a:rPr>
-              <a:t> Class Diagram</a:t>
-            </a:r>
-          </a:p>
-          <a:p>
-            <a:pPr marL="457200" indent="-457200">
-              <a:buFont typeface="+mj-lt"/>
-              <a:buAutoNum type="arabicPeriod"/>
-            </a:pPr>
-            <a:r>
-              <a:rPr lang="en-US" altLang="ko-KR" dirty="0">
-                <a:latin typeface="+mj-ea"/>
-                <a:ea typeface="+mj-ea"/>
-              </a:rPr>
-              <a:t> Sequence Diagram</a:t>
-            </a:r>
-          </a:p>
-          <a:p>
-            <a:pPr marL="457200" indent="-457200">
-              <a:buFont typeface="+mj-lt"/>
-              <a:buAutoNum type="arabicPeriod"/>
-            </a:pPr>
-            <a:endParaRPr lang="ko-KR" altLang="en-US" dirty="0">
-              <a:latin typeface="+mj-ea"/>
-              <a:ea typeface="+mj-ea"/>
-            </a:endParaRPr>
           </a:p>
         </p:txBody>
       </p:sp>
     </p:spTree>
     <p:extLst>
       <p:ext uri="{BB962C8B-B14F-4D97-AF65-F5344CB8AC3E}">
-        <p14:creationId xmlns:p14="http://schemas.microsoft.com/office/powerpoint/2010/main" val="1870116509"/>
+        <p14:creationId xmlns:p14="http://schemas.microsoft.com/office/powerpoint/2010/main" val="3180882939"/>
       </p:ext>
     </p:extLst>
   </p:cSld>
@@ -17339,7 +17262,7 @@
             <a:pPr algn="ctr"/>
             <a:r>
               <a:rPr lang="ko-KR" altLang="en-US" sz="5400" dirty="0"/>
-              <a:t>시연</a:t>
+              <a:t>감사합니다</a:t>
             </a:r>
           </a:p>
         </p:txBody>
@@ -17347,7 +17270,7 @@
     </p:spTree>
     <p:extLst>
       <p:ext uri="{BB962C8B-B14F-4D97-AF65-F5344CB8AC3E}">
-        <p14:creationId xmlns:p14="http://schemas.microsoft.com/office/powerpoint/2010/main" val="3180882939"/>
+        <p14:creationId xmlns:p14="http://schemas.microsoft.com/office/powerpoint/2010/main" val="2923836869"/>
       </p:ext>
     </p:extLst>
   </p:cSld>
@@ -17459,6 +17382,23 @@
               <a:buChar char="Ø"/>
             </a:pPr>
             <a:r>
+              <a:rPr lang="ko-KR" altLang="en-US" sz="2400" dirty="0">
+                <a:latin typeface="나눔스퀘어" panose="020B0600000101010101" pitchFamily="50" charset="-127"/>
+                <a:ea typeface="나눔스퀘어" panose="020B0600000101010101" pitchFamily="50" charset="-127"/>
+              </a:rPr>
+              <a:t>기차 예매 프로그램으로 간단하게 예매를 할 수 있도록 하기 위함</a:t>
+            </a:r>
+            <a:endParaRPr lang="en-US" altLang="ko-KR" sz="2400" dirty="0">
+              <a:latin typeface="나눔스퀘어" panose="020B0600000101010101" pitchFamily="50" charset="-127"/>
+              <a:ea typeface="나눔스퀘어" panose="020B0600000101010101" pitchFamily="50" charset="-127"/>
+            </a:endParaRPr>
+          </a:p>
+          <a:p>
+            <a:pPr lvl="1">
+              <a:buFont typeface="Wingdings" panose="05000000000000000000" pitchFamily="2" charset="2"/>
+              <a:buChar char="Ø"/>
+            </a:pPr>
+            <a:r>
               <a:rPr lang="en-US" altLang="ko-KR" sz="2400" dirty="0">
                 <a:latin typeface="나눔스퀘어" panose="020B0600000101010101" pitchFamily="50" charset="-127"/>
                 <a:ea typeface="나눔스퀘어" panose="020B0600000101010101" pitchFamily="50" charset="-127"/>
@@ -17523,30 +17463,6 @@
                 <a:ea typeface="나눔스퀘어" panose="020B0600000101010101" pitchFamily="50" charset="-127"/>
               </a:rPr>
               <a:t>의 활용 능력 향상</a:t>
-            </a:r>
-            <a:endParaRPr lang="en-US" altLang="ko-KR" sz="2400" dirty="0">
-              <a:latin typeface="나눔스퀘어" panose="020B0600000101010101" pitchFamily="50" charset="-127"/>
-              <a:ea typeface="나눔스퀘어" panose="020B0600000101010101" pitchFamily="50" charset="-127"/>
-            </a:endParaRPr>
-          </a:p>
-          <a:p>
-            <a:pPr lvl="1">
-              <a:buFont typeface="Wingdings" panose="05000000000000000000" pitchFamily="2" charset="2"/>
-              <a:buChar char="Ø"/>
-            </a:pPr>
-            <a:r>
-              <a:rPr lang="en-US" altLang="ko-KR" sz="2400" dirty="0">
-                <a:latin typeface="나눔스퀘어" panose="020B0600000101010101" pitchFamily="50" charset="-127"/>
-                <a:ea typeface="나눔스퀘어" panose="020B0600000101010101" pitchFamily="50" charset="-127"/>
-              </a:rPr>
-              <a:t> </a:t>
-            </a:r>
-            <a:r>
-              <a:rPr lang="ko-KR" altLang="en-US" sz="2400" dirty="0">
-                <a:latin typeface="나눔스퀘어" panose="020B0600000101010101" pitchFamily="50" charset="-127"/>
-                <a:ea typeface="나눔스퀘어" panose="020B0600000101010101" pitchFamily="50" charset="-127"/>
-              </a:rPr>
-              <a:t>기차 예매 프로그램으로 간단하게 예매를 할 수 있도록 하기 위함</a:t>
             </a:r>
             <a:endParaRPr lang="en-US" altLang="ko-KR" sz="2400" dirty="0">
               <a:latin typeface="나눔스퀘어" panose="020B0600000101010101" pitchFamily="50" charset="-127"/>
@@ -17770,7 +17686,7 @@
         <p:spPr>
           <a:xfrm>
             <a:off x="685800" y="2194560"/>
-            <a:ext cx="10820400" cy="4024125"/>
+            <a:ext cx="10820400" cy="4508244"/>
           </a:xfrm>
         </p:spPr>
         <p:txBody>
@@ -18014,10 +17930,20 @@
               </a:rPr>
               <a:t>	: Draw.io</a:t>
             </a:r>
-            <a:endParaRPr lang="en-US" altLang="ko-KR" sz="2400" dirty="0">
-              <a:latin typeface="나눔스퀘어" panose="020B0600000101010101" pitchFamily="50" charset="-127"/>
-              <a:ea typeface="나눔스퀘어" panose="020B0600000101010101" pitchFamily="50" charset="-127"/>
-            </a:endParaRPr>
+          </a:p>
+          <a:p>
+            <a:pPr lvl="1" defTabSz="1476000">
+              <a:lnSpc>
+                <a:spcPct val="100000"/>
+              </a:lnSpc>
+            </a:pPr>
+            <a:r>
+              <a:rPr lang="en-US" altLang="ko-KR" sz="2400" dirty="0">
+                <a:latin typeface="나눔스퀘어" panose="020B0600000101010101" pitchFamily="50" charset="-127"/>
+                <a:ea typeface="나눔스퀘어" panose="020B0600000101010101" pitchFamily="50" charset="-127"/>
+              </a:rPr>
+              <a:t> GitHub	: https://github.com/eeeeyeot/JAVATrainTicketing</a:t>
+            </a:r>
           </a:p>
         </p:txBody>
       </p:sp>
@@ -20814,7 +20740,7 @@
             <p:ph idx="1"/>
             <p:extLst>
               <p:ext uri="{D42A27DB-BD31-4B8C-83A1-F6EECF244321}">
-                <p14:modId xmlns:p14="http://schemas.microsoft.com/office/powerpoint/2010/main" val="1712286058"/>
+                <p14:modId xmlns:p14="http://schemas.microsoft.com/office/powerpoint/2010/main" val="3621191399"/>
               </p:ext>
             </p:extLst>
           </p:nvPr>
@@ -20930,7 +20856,7 @@
                       <a:tailEnd type="none" w="med" len="med"/>
                     </a:lnB>
                     <a:solidFill>
-                      <a:schemeClr val="bg1"/>
+                      <a:schemeClr val="bg2"/>
                     </a:solidFill>
                   </a:tcPr>
                 </a:tc>
@@ -20990,7 +20916,7 @@
                       <a:tailEnd type="none" w="med" len="med"/>
                     </a:lnB>
                     <a:solidFill>
-                      <a:schemeClr val="bg1"/>
+                      <a:schemeClr val="bg2"/>
                     </a:solidFill>
                   </a:tcPr>
                 </a:tc>
@@ -21050,7 +20976,7 @@
                       <a:tailEnd type="none" w="med" len="med"/>
                     </a:lnB>
                     <a:solidFill>
-                      <a:schemeClr val="bg1"/>
+                      <a:schemeClr val="bg2"/>
                     </a:solidFill>
                   </a:tcPr>
                 </a:tc>
@@ -21120,7 +21046,7 @@
                       <a:tailEnd type="none" w="med" len="med"/>
                     </a:lnB>
                     <a:solidFill>
-                      <a:schemeClr val="bg1"/>
+                      <a:schemeClr val="bg2"/>
                     </a:solidFill>
                   </a:tcPr>
                 </a:tc>
@@ -21180,7 +21106,7 @@
                       <a:tailEnd type="none" w="med" len="med"/>
                     </a:lnB>
                     <a:solidFill>
-                      <a:schemeClr val="bg1"/>
+                      <a:schemeClr val="bg2"/>
                     </a:solidFill>
                   </a:tcPr>
                 </a:tc>
@@ -21247,7 +21173,7 @@
                       <a:tailEnd type="none" w="med" len="med"/>
                     </a:lnB>
                     <a:solidFill>
-                      <a:schemeClr val="bg1"/>
+                      <a:schemeClr val="bg2"/>
                     </a:solidFill>
                   </a:tcPr>
                 </a:tc>
@@ -23462,7 +23388,7 @@
           <p:nvPr>
             <p:extLst>
               <p:ext uri="{D42A27DB-BD31-4B8C-83A1-F6EECF244321}">
-                <p14:modId xmlns:p14="http://schemas.microsoft.com/office/powerpoint/2010/main" val="3886472789"/>
+                <p14:modId xmlns:p14="http://schemas.microsoft.com/office/powerpoint/2010/main" val="1767613311"/>
               </p:ext>
             </p:extLst>
           </p:nvPr>
@@ -23578,7 +23504,7 @@
                       <a:tailEnd type="none" w="med" len="med"/>
                     </a:lnB>
                     <a:solidFill>
-                      <a:schemeClr val="bg1"/>
+                      <a:schemeClr val="bg2"/>
                     </a:solidFill>
                   </a:tcPr>
                 </a:tc>
@@ -23638,7 +23564,7 @@
                       <a:tailEnd type="none" w="med" len="med"/>
                     </a:lnB>
                     <a:solidFill>
-                      <a:schemeClr val="bg1"/>
+                      <a:schemeClr val="bg2"/>
                     </a:solidFill>
                   </a:tcPr>
                 </a:tc>
@@ -23698,7 +23624,7 @@
                       <a:tailEnd type="none" w="med" len="med"/>
                     </a:lnB>
                     <a:solidFill>
-                      <a:schemeClr val="bg1"/>
+                      <a:schemeClr val="bg2"/>
                     </a:solidFill>
                   </a:tcPr>
                 </a:tc>
@@ -23768,7 +23694,7 @@
                       <a:tailEnd type="none" w="med" len="med"/>
                     </a:lnB>
                     <a:solidFill>
-                      <a:schemeClr val="bg1"/>
+                      <a:schemeClr val="bg2"/>
                     </a:solidFill>
                   </a:tcPr>
                 </a:tc>
@@ -23828,7 +23754,7 @@
                       <a:tailEnd type="none" w="med" len="med"/>
                     </a:lnB>
                     <a:solidFill>
-                      <a:schemeClr val="bg1"/>
+                      <a:schemeClr val="bg2"/>
                     </a:solidFill>
                   </a:tcPr>
                 </a:tc>
@@ -23895,7 +23821,7 @@
                       <a:tailEnd type="none" w="med" len="med"/>
                     </a:lnB>
                     <a:solidFill>
-                      <a:schemeClr val="bg1"/>
+                      <a:schemeClr val="bg2"/>
                     </a:solidFill>
                   </a:tcPr>
                 </a:tc>
@@ -25074,7 +25000,7 @@
             <p:ph idx="1"/>
             <p:extLst>
               <p:ext uri="{D42A27DB-BD31-4B8C-83A1-F6EECF244321}">
-                <p14:modId xmlns:p14="http://schemas.microsoft.com/office/powerpoint/2010/main" val="981894880"/>
+                <p14:modId xmlns:p14="http://schemas.microsoft.com/office/powerpoint/2010/main" val="3909501750"/>
               </p:ext>
             </p:extLst>
           </p:nvPr>
@@ -25190,7 +25116,7 @@
                       <a:tailEnd type="none" w="med" len="med"/>
                     </a:lnB>
                     <a:solidFill>
-                      <a:schemeClr val="bg1"/>
+                      <a:schemeClr val="bg2"/>
                     </a:solidFill>
                   </a:tcPr>
                 </a:tc>
@@ -25250,7 +25176,7 @@
                       <a:tailEnd type="none" w="med" len="med"/>
                     </a:lnB>
                     <a:solidFill>
-                      <a:schemeClr val="bg1"/>
+                      <a:schemeClr val="bg2"/>
                     </a:solidFill>
                   </a:tcPr>
                 </a:tc>
@@ -25310,7 +25236,7 @@
                       <a:tailEnd type="none" w="med" len="med"/>
                     </a:lnB>
                     <a:solidFill>
-                      <a:schemeClr val="bg1"/>
+                      <a:schemeClr val="bg2"/>
                     </a:solidFill>
                   </a:tcPr>
                 </a:tc>
@@ -25380,7 +25306,7 @@
                       <a:tailEnd type="none" w="med" len="med"/>
                     </a:lnB>
                     <a:solidFill>
-                      <a:schemeClr val="bg1"/>
+                      <a:schemeClr val="bg2"/>
                     </a:solidFill>
                   </a:tcPr>
                 </a:tc>
@@ -25440,7 +25366,7 @@
                       <a:tailEnd type="none" w="med" len="med"/>
                     </a:lnB>
                     <a:solidFill>
-                      <a:schemeClr val="bg1"/>
+                      <a:schemeClr val="bg2"/>
                     </a:solidFill>
                   </a:tcPr>
                 </a:tc>
@@ -25507,7 +25433,7 @@
                       <a:tailEnd type="none" w="med" len="med"/>
                     </a:lnB>
                     <a:solidFill>
-                      <a:schemeClr val="bg1"/>
+                      <a:schemeClr val="bg2"/>
                     </a:solidFill>
                   </a:tcPr>
                 </a:tc>
@@ -30137,7 +30063,7 @@
           <p:nvPr>
             <p:extLst>
               <p:ext uri="{D42A27DB-BD31-4B8C-83A1-F6EECF244321}">
-                <p14:modId xmlns:p14="http://schemas.microsoft.com/office/powerpoint/2010/main" val="2063680266"/>
+                <p14:modId xmlns:p14="http://schemas.microsoft.com/office/powerpoint/2010/main" val="4019400579"/>
               </p:ext>
             </p:extLst>
           </p:nvPr>
@@ -30253,7 +30179,7 @@
                       <a:tailEnd type="none" w="med" len="med"/>
                     </a:lnB>
                     <a:solidFill>
-                      <a:schemeClr val="bg1"/>
+                      <a:schemeClr val="bg2"/>
                     </a:solidFill>
                   </a:tcPr>
                 </a:tc>
@@ -30313,7 +30239,7 @@
                       <a:tailEnd type="none" w="med" len="med"/>
                     </a:lnB>
                     <a:solidFill>
-                      <a:schemeClr val="bg1"/>
+                      <a:schemeClr val="bg2"/>
                     </a:solidFill>
                   </a:tcPr>
                 </a:tc>
@@ -30373,7 +30299,7 @@
                       <a:tailEnd type="none" w="med" len="med"/>
                     </a:lnB>
                     <a:solidFill>
-                      <a:schemeClr val="bg1"/>
+                      <a:schemeClr val="bg2"/>
                     </a:solidFill>
                   </a:tcPr>
                 </a:tc>
@@ -30443,7 +30369,7 @@
                       <a:tailEnd type="none" w="med" len="med"/>
                     </a:lnB>
                     <a:solidFill>
-                      <a:schemeClr val="bg1"/>
+                      <a:schemeClr val="bg2"/>
                     </a:solidFill>
                   </a:tcPr>
                 </a:tc>
@@ -30503,7 +30429,7 @@
                       <a:tailEnd type="none" w="med" len="med"/>
                     </a:lnB>
                     <a:solidFill>
-                      <a:schemeClr val="bg1"/>
+                      <a:schemeClr val="bg2"/>
                     </a:solidFill>
                   </a:tcPr>
                 </a:tc>
@@ -30570,7 +30496,7 @@
                       <a:tailEnd type="none" w="med" len="med"/>
                     </a:lnB>
                     <a:solidFill>
-                      <a:schemeClr val="bg1"/>
+                      <a:schemeClr val="bg2"/>
                     </a:solidFill>
                   </a:tcPr>
                 </a:tc>
@@ -31478,7 +31404,7 @@
             <p:ph idx="1"/>
             <p:extLst>
               <p:ext uri="{D42A27DB-BD31-4B8C-83A1-F6EECF244321}">
-                <p14:modId xmlns:p14="http://schemas.microsoft.com/office/powerpoint/2010/main" val="4286832005"/>
+                <p14:modId xmlns:p14="http://schemas.microsoft.com/office/powerpoint/2010/main" val="4191727926"/>
               </p:ext>
             </p:extLst>
           </p:nvPr>
@@ -31594,7 +31520,7 @@
                       <a:tailEnd type="none" w="med" len="med"/>
                     </a:lnB>
                     <a:solidFill>
-                      <a:schemeClr val="bg1"/>
+                      <a:schemeClr val="bg2"/>
                     </a:solidFill>
                   </a:tcPr>
                 </a:tc>
@@ -31654,7 +31580,7 @@
                       <a:tailEnd type="none" w="med" len="med"/>
                     </a:lnB>
                     <a:solidFill>
-                      <a:schemeClr val="bg1"/>
+                      <a:schemeClr val="bg2"/>
                     </a:solidFill>
                   </a:tcPr>
                 </a:tc>
@@ -31714,7 +31640,7 @@
                       <a:tailEnd type="none" w="med" len="med"/>
                     </a:lnB>
                     <a:solidFill>
-                      <a:schemeClr val="bg1"/>
+                      <a:schemeClr val="bg2"/>
                     </a:solidFill>
                   </a:tcPr>
                 </a:tc>
@@ -31784,7 +31710,7 @@
                       <a:tailEnd type="none" w="med" len="med"/>
                     </a:lnB>
                     <a:solidFill>
-                      <a:schemeClr val="bg1"/>
+                      <a:schemeClr val="bg2"/>
                     </a:solidFill>
                   </a:tcPr>
                 </a:tc>
@@ -31844,7 +31770,7 @@
                       <a:tailEnd type="none" w="med" len="med"/>
                     </a:lnB>
                     <a:solidFill>
-                      <a:schemeClr val="bg1"/>
+                      <a:schemeClr val="bg2"/>
                     </a:solidFill>
                   </a:tcPr>
                 </a:tc>
@@ -31911,7 +31837,7 @@
                       <a:tailEnd type="none" w="med" len="med"/>
                     </a:lnB>
                     <a:solidFill>
-                      <a:schemeClr val="bg1"/>
+                      <a:schemeClr val="bg2"/>
                     </a:solidFill>
                   </a:tcPr>
                 </a:tc>
